--- a/slides/Introduction to the CAVA framework.pptx
+++ b/slides/Introduction to the CAVA framework.pptx
@@ -2648,7 +2648,7 @@
             </a:pPr>
             <a:r>
               <a:rPr lang="en-GB" sz="2000" dirty="0"/>
-              <a:t>Understanding what CAVA is and why it is useful</a:t>
+              <a:t>Understanding what CAVA is </a:t>
             </a:r>
           </a:p>
           <a:p>
@@ -2678,12 +2678,10 @@
             </a:r>
           </a:p>
           <a:p>
-            <a:pPr marL="342900" indent="-342900">
+            <a:pPr>
               <a:lnSpc>
                 <a:spcPct val="150000"/>
               </a:lnSpc>
-              <a:buFont typeface="+mj-lt"/>
-              <a:buAutoNum type="arabicPeriod"/>
             </a:pPr>
             <a:r>
               <a:rPr lang="en-GB" sz="2000" dirty="0"/>
@@ -5554,7 +5552,7 @@
         </p:nvSpPr>
         <p:spPr>
           <a:xfrm>
-            <a:off x="2125990" y="2027407"/>
+            <a:off x="2125990" y="2047072"/>
             <a:ext cx="3496130" cy="369332"/>
           </a:xfrm>
           <a:prstGeom prst="rect">
@@ -5569,13 +5567,13 @@
           <a:lstStyle/>
           <a:p>
             <a:r>
-              <a:rPr lang="en-GB" b="1">
+              <a:rPr lang="en-GB" b="1" dirty="0">
                 <a:hlinkClick r:id="rId4"/>
               </a:rPr>
               <a:t>CAVA Platform </a:t>
             </a:r>
             <a:r>
-              <a:rPr lang="en-GB"/>
+              <a:rPr lang="en-GB" dirty="0"/>
               <a:t>(general user)</a:t>
             </a:r>
           </a:p>
